--- a/Methodology.pptx
+++ b/Methodology.pptx
@@ -1,50 +1,29 @@
 
 <file path=ppt/presentation.xml><?xml version="1.0" encoding="utf-8"?>
-<p:presentation xmlns:a="http://schemas.openxmlformats.org/drawingml/2006/main" xmlns:r="http://schemas.openxmlformats.org/officeDocument/2006/relationships" xmlns:p="http://schemas.openxmlformats.org/presentationml/2006/main" saveSubsetFonts="1" embedTrueTypeFonts="true">
+<p:presentation xmlns:a="http://schemas.openxmlformats.org/drawingml/2006/main" xmlns:r="http://schemas.openxmlformats.org/officeDocument/2006/relationships" xmlns:p="http://schemas.openxmlformats.org/presentationml/2006/main" embedTrueTypeFonts="1" saveSubsetFonts="1">
   <p:sldMasterIdLst>
     <p:sldMasterId id="2147483648" r:id="rId1"/>
   </p:sldMasterIdLst>
   <p:sldIdLst>
-    <p:sldId id="256" r:id="rId15"/>
+    <p:sldId id="256" r:id="rId2"/>
   </p:sldIdLst>
   <p:sldSz cx="9753600" cy="7315200"/>
   <p:notesSz cx="6858000" cy="9144000"/>
   <p:embeddedFontLst>
     <p:embeddedFont>
-      <p:font typeface="Arimo" charset="1" panose="020B0604020202020204"/>
-      <p:regular r:id="rId6"/>
+      <p:font typeface="League Spartan" panose="020B0604020202020204" charset="0"/>
+      <p:regular r:id="rId3"/>
     </p:embeddedFont>
     <p:embeddedFont>
-      <p:font typeface="Arimo Bold" charset="1" panose="020B0704020202020204"/>
-      <p:regular r:id="rId7"/>
+      <p:font typeface="Arialle" panose="020B0604020202020204" charset="0"/>
+      <p:regular r:id="rId4"/>
     </p:embeddedFont>
     <p:embeddedFont>
-      <p:font typeface="Arimo Italics" charset="1" panose="020B0604020202090204"/>
-      <p:regular r:id="rId8"/>
-    </p:embeddedFont>
-    <p:embeddedFont>
-      <p:font typeface="Arimo Bold Italics" charset="1" panose="020B0704020202090204"/>
-      <p:regular r:id="rId9"/>
-    </p:embeddedFont>
-    <p:embeddedFont>
-      <p:font typeface="Arialle" charset="1" panose="020B0604020202020204"/>
-      <p:regular r:id="rId10"/>
-    </p:embeddedFont>
-    <p:embeddedFont>
-      <p:font typeface="Arialle Bold" charset="1" panose="020B0704020202020204"/>
-      <p:regular r:id="rId11"/>
-    </p:embeddedFont>
-    <p:embeddedFont>
-      <p:font typeface="Arialle Italics" charset="1" panose="020B0604020202090204"/>
-      <p:regular r:id="rId12"/>
-    </p:embeddedFont>
-    <p:embeddedFont>
-      <p:font typeface="Arialle Bold Italics" charset="1" panose="020B0704020202090204"/>
-      <p:regular r:id="rId13"/>
-    </p:embeddedFont>
-    <p:embeddedFont>
-      <p:font typeface="League Spartan" charset="1" panose="00000800000000000000"/>
-      <p:regular r:id="rId14"/>
+      <p:font typeface="Calibri" panose="020F0502020204030204" pitchFamily="34" charset="0"/>
+      <p:regular r:id="rId5"/>
+      <p:bold r:id="rId6"/>
+      <p:italic r:id="rId7"/>
+      <p:boldItalic r:id="rId8"/>
     </p:embeddedFont>
   </p:embeddedFontLst>
   <p:defaultTextStyle>
@@ -142,6 +121,22 @@
       </a:defRPr>
     </a:lvl9pPr>
   </p:defaultTextStyle>
+  <p:extLst>
+    <p:ext uri="{EFAFB233-063F-42B5-8137-9DF3F51BA10A}">
+      <p15:sldGuideLst xmlns:p15="http://schemas.microsoft.com/office/powerpoint/2012/main">
+        <p15:guide id="1" orient="horz" pos="2160">
+          <p15:clr>
+            <a:srgbClr val="A4A3A4"/>
+          </p15:clr>
+        </p15:guide>
+        <p15:guide id="2" pos="2880">
+          <p15:clr>
+            <a:srgbClr val="A4A3A4"/>
+          </p15:clr>
+        </p15:guide>
+      </p15:sldGuideLst>
+    </p:ext>
+  </p:extLst>
 </p:presentation>
 </file>
 
@@ -327,7 +322,7 @@
             <a:fld id="{1D8BD707-D9CF-40AE-B4C6-C98DA3205C09}" type="datetimeFigureOut">
               <a:rPr lang="en-US" smtClean="0"/>
               <a:pPr/>
-              <a:t>8/1/2011</a:t>
+              <a:t>3/30/2021</a:t>
             </a:fld>
             <a:endParaRPr lang="en-US"/>
           </a:p>
@@ -494,7 +489,7 @@
             <a:fld id="{1D8BD707-D9CF-40AE-B4C6-C98DA3205C09}" type="datetimeFigureOut">
               <a:rPr lang="en-US" smtClean="0"/>
               <a:pPr/>
-              <a:t>8/1/2011</a:t>
+              <a:t>3/30/2021</a:t>
             </a:fld>
             <a:endParaRPr lang="en-US"/>
           </a:p>
@@ -671,7 +666,7 @@
             <a:fld id="{1D8BD707-D9CF-40AE-B4C6-C98DA3205C09}" type="datetimeFigureOut">
               <a:rPr lang="en-US" smtClean="0"/>
               <a:pPr/>
-              <a:t>8/1/2011</a:t>
+              <a:t>3/30/2021</a:t>
             </a:fld>
             <a:endParaRPr lang="en-US"/>
           </a:p>
@@ -838,7 +833,7 @@
             <a:fld id="{1D8BD707-D9CF-40AE-B4C6-C98DA3205C09}" type="datetimeFigureOut">
               <a:rPr lang="en-US" smtClean="0"/>
               <a:pPr/>
-              <a:t>8/1/2011</a:t>
+              <a:t>3/30/2021</a:t>
             </a:fld>
             <a:endParaRPr lang="en-US"/>
           </a:p>
@@ -1081,7 +1076,7 @@
             <a:fld id="{1D8BD707-D9CF-40AE-B4C6-C98DA3205C09}" type="datetimeFigureOut">
               <a:rPr lang="en-US" smtClean="0"/>
               <a:pPr/>
-              <a:t>8/1/2011</a:t>
+              <a:t>3/30/2021</a:t>
             </a:fld>
             <a:endParaRPr lang="en-US"/>
           </a:p>
@@ -1366,7 +1361,7 @@
             <a:fld id="{1D8BD707-D9CF-40AE-B4C6-C98DA3205C09}" type="datetimeFigureOut">
               <a:rPr lang="en-US" smtClean="0"/>
               <a:pPr/>
-              <a:t>8/1/2011</a:t>
+              <a:t>3/30/2021</a:t>
             </a:fld>
             <a:endParaRPr lang="en-US"/>
           </a:p>
@@ -1785,7 +1780,7 @@
             <a:fld id="{1D8BD707-D9CF-40AE-B4C6-C98DA3205C09}" type="datetimeFigureOut">
               <a:rPr lang="en-US" smtClean="0"/>
               <a:pPr/>
-              <a:t>8/1/2011</a:t>
+              <a:t>3/30/2021</a:t>
             </a:fld>
             <a:endParaRPr lang="en-US"/>
           </a:p>
@@ -1900,7 +1895,7 @@
             <a:fld id="{1D8BD707-D9CF-40AE-B4C6-C98DA3205C09}" type="datetimeFigureOut">
               <a:rPr lang="en-US" smtClean="0"/>
               <a:pPr/>
-              <a:t>8/1/2011</a:t>
+              <a:t>3/30/2021</a:t>
             </a:fld>
             <a:endParaRPr lang="en-US"/>
           </a:p>
@@ -1992,7 +1987,7 @@
             <a:fld id="{1D8BD707-D9CF-40AE-B4C6-C98DA3205C09}" type="datetimeFigureOut">
               <a:rPr lang="en-US" smtClean="0"/>
               <a:pPr/>
-              <a:t>8/1/2011</a:t>
+              <a:t>3/30/2021</a:t>
             </a:fld>
             <a:endParaRPr lang="en-US"/>
           </a:p>
@@ -2266,7 +2261,7 @@
             <a:fld id="{1D8BD707-D9CF-40AE-B4C6-C98DA3205C09}" type="datetimeFigureOut">
               <a:rPr lang="en-US" smtClean="0"/>
               <a:pPr/>
-              <a:t>8/1/2011</a:t>
+              <a:t>3/30/2021</a:t>
             </a:fld>
             <a:endParaRPr lang="en-US"/>
           </a:p>
@@ -2516,7 +2511,7 @@
             <a:fld id="{1D8BD707-D9CF-40AE-B4C6-C98DA3205C09}" type="datetimeFigureOut">
               <a:rPr lang="en-US" smtClean="0"/>
               <a:pPr/>
-              <a:t>8/1/2011</a:t>
+              <a:t>3/30/2021</a:t>
             </a:fld>
             <a:endParaRPr lang="en-US"/>
           </a:p>
@@ -2726,7 +2721,7 @@
             <a:fld id="{1D8BD707-D9CF-40AE-B4C6-C98DA3205C09}" type="datetimeFigureOut">
               <a:rPr lang="en-US" smtClean="0"/>
               <a:pPr/>
-              <a:t>8/1/2011</a:t>
+              <a:t>3/30/2021</a:t>
             </a:fld>
             <a:endParaRPr lang="en-US"/>
           </a:p>
@@ -3081,13 +3076,14 @@
 </file>
 
 <file path=ppt/slides/slide1.xml><?xml version="1.0" encoding="utf-8"?>
-<p:sld xmlns:p="http://schemas.openxmlformats.org/presentationml/2006/main" xmlns:a="http://schemas.openxmlformats.org/drawingml/2006/main" xmlns:r="http://schemas.openxmlformats.org/officeDocument/2006/relationships">
+<p:sld xmlns:a="http://schemas.openxmlformats.org/drawingml/2006/main" xmlns:r="http://schemas.openxmlformats.org/officeDocument/2006/relationships" xmlns:p="http://schemas.openxmlformats.org/presentationml/2006/main">
   <p:cSld>
     <p:bg>
       <p:bgPr>
         <a:solidFill>
           <a:srgbClr val="F7F1D6"/>
         </a:solidFill>
+        <a:effectLst/>
       </p:bgPr>
     </p:bg>
     <p:spTree>
@@ -3106,12 +3102,12 @@
       </p:grpSpPr>
       <p:sp>
         <p:nvSpPr>
-          <p:cNvPr name="TextBox 2" id="2"/>
-          <p:cNvSpPr txBox="true"/>
+          <p:cNvPr id="2" name="TextBox 2"/>
+          <p:cNvSpPr txBox="1"/>
           <p:nvPr/>
         </p:nvSpPr>
         <p:spPr>
-          <a:xfrm rot="0">
+          <a:xfrm>
             <a:off x="849809" y="2367664"/>
             <a:ext cx="1019175" cy="788924"/>
           </a:xfrm>
@@ -3120,7 +3116,7 @@
           </a:prstGeom>
         </p:spPr>
         <p:txBody>
-          <a:bodyPr anchor="t" rtlCol="false" tIns="0" lIns="0" bIns="0" rIns="0">
+          <a:bodyPr lIns="0" tIns="0" rIns="0" bIns="0" rtlCol="0" anchor="t">
             <a:spAutoFit/>
           </a:bodyPr>
           <a:lstStyle/>
@@ -3144,21 +3140,21 @@
       </p:sp>
       <p:sp>
         <p:nvSpPr>
-          <p:cNvPr name="TextBox 3" id="3"/>
-          <p:cNvSpPr txBox="true"/>
+          <p:cNvPr id="3" name="TextBox 3"/>
+          <p:cNvSpPr txBox="1"/>
           <p:nvPr/>
         </p:nvSpPr>
         <p:spPr>
-          <a:xfrm rot="0">
-            <a:off x="849809" y="3313335"/>
-            <a:ext cx="1163248" cy="489325"/>
+          <a:xfrm>
+            <a:off x="849808" y="3313119"/>
+            <a:ext cx="1283791" cy="487313"/>
           </a:xfrm>
           <a:prstGeom prst="rect">
             <a:avLst/>
           </a:prstGeom>
         </p:spPr>
         <p:txBody>
-          <a:bodyPr anchor="t" rtlCol="false" tIns="0" lIns="0" bIns="0" rIns="0">
+          <a:bodyPr wrap="square" lIns="0" tIns="0" rIns="0" bIns="0" rtlCol="0" anchor="t">
             <a:spAutoFit/>
           </a:bodyPr>
           <a:lstStyle/>
@@ -3169,7 +3165,7 @@
               </a:lnSpc>
             </a:pPr>
             <a:r>
-              <a:rPr lang="en-US" sz="1407">
+              <a:rPr lang="en-US" sz="1407" dirty="0">
                 <a:solidFill>
                   <a:srgbClr val="222222"/>
                 </a:solidFill>
@@ -3182,12 +3178,12 @@
       </p:sp>
       <p:sp>
         <p:nvSpPr>
-          <p:cNvPr name="TextBox 4" id="4"/>
-          <p:cNvSpPr txBox="true"/>
+          <p:cNvPr id="4" name="TextBox 4"/>
+          <p:cNvSpPr txBox="1"/>
           <p:nvPr/>
         </p:nvSpPr>
         <p:spPr>
-          <a:xfrm rot="0">
+          <a:xfrm>
             <a:off x="2436460" y="2362751"/>
             <a:ext cx="1209675" cy="798449"/>
           </a:xfrm>
@@ -3196,7 +3192,7 @@
           </a:prstGeom>
         </p:spPr>
         <p:txBody>
-          <a:bodyPr anchor="t" rtlCol="false" tIns="0" lIns="0" bIns="0" rIns="0">
+          <a:bodyPr lIns="0" tIns="0" rIns="0" bIns="0" rtlCol="0" anchor="t">
             <a:spAutoFit/>
           </a:bodyPr>
           <a:lstStyle/>
@@ -3220,12 +3216,12 @@
       </p:sp>
       <p:sp>
         <p:nvSpPr>
-          <p:cNvPr name="TextBox 5" id="5"/>
-          <p:cNvSpPr txBox="true"/>
+          <p:cNvPr id="5" name="TextBox 5"/>
+          <p:cNvSpPr txBox="1"/>
           <p:nvPr/>
         </p:nvSpPr>
         <p:spPr>
-          <a:xfrm rot="0">
+          <a:xfrm>
             <a:off x="2482584" y="3313335"/>
             <a:ext cx="1191034" cy="489325"/>
           </a:xfrm>
@@ -3234,7 +3230,7 @@
           </a:prstGeom>
         </p:spPr>
         <p:txBody>
-          <a:bodyPr anchor="t" rtlCol="false" tIns="0" lIns="0" bIns="0" rIns="0">
+          <a:bodyPr lIns="0" tIns="0" rIns="0" bIns="0" rtlCol="0" anchor="t">
             <a:spAutoFit/>
           </a:bodyPr>
           <a:lstStyle/>
@@ -3258,12 +3254,12 @@
       </p:sp>
       <p:sp>
         <p:nvSpPr>
-          <p:cNvPr name="TextBox 6" id="6"/>
-          <p:cNvSpPr txBox="true"/>
+          <p:cNvPr id="6" name="TextBox 6"/>
+          <p:cNvSpPr txBox="1"/>
           <p:nvPr/>
         </p:nvSpPr>
         <p:spPr>
-          <a:xfrm rot="0">
+          <a:xfrm>
             <a:off x="4198381" y="2363051"/>
             <a:ext cx="1125415" cy="788924"/>
           </a:xfrm>
@@ -3272,7 +3268,7 @@
           </a:prstGeom>
         </p:spPr>
         <p:txBody>
-          <a:bodyPr anchor="t" rtlCol="false" tIns="0" lIns="0" bIns="0" rIns="0">
+          <a:bodyPr lIns="0" tIns="0" rIns="0" bIns="0" rtlCol="0" anchor="t">
             <a:spAutoFit/>
           </a:bodyPr>
           <a:lstStyle/>
@@ -3296,12 +3292,12 @@
       </p:sp>
       <p:sp>
         <p:nvSpPr>
-          <p:cNvPr name="TextBox 7" id="7"/>
-          <p:cNvSpPr txBox="true"/>
+          <p:cNvPr id="7" name="TextBox 7"/>
+          <p:cNvSpPr txBox="1"/>
           <p:nvPr/>
         </p:nvSpPr>
         <p:spPr>
-          <a:xfrm rot="0">
+          <a:xfrm>
             <a:off x="4253513" y="3313119"/>
             <a:ext cx="1145934" cy="965575"/>
           </a:xfrm>
@@ -3310,7 +3306,7 @@
           </a:prstGeom>
         </p:spPr>
         <p:txBody>
-          <a:bodyPr anchor="t" rtlCol="false" tIns="0" lIns="0" bIns="0" rIns="0">
+          <a:bodyPr lIns="0" tIns="0" rIns="0" bIns="0" rtlCol="0" anchor="t">
             <a:spAutoFit/>
           </a:bodyPr>
           <a:lstStyle/>
@@ -3334,12 +3330,12 @@
       </p:sp>
       <p:sp>
         <p:nvSpPr>
-          <p:cNvPr name="TextBox 8" id="8"/>
-          <p:cNvSpPr txBox="true"/>
+          <p:cNvPr id="8" name="TextBox 8"/>
+          <p:cNvSpPr txBox="1"/>
           <p:nvPr/>
         </p:nvSpPr>
         <p:spPr>
-          <a:xfrm rot="0">
+          <a:xfrm>
             <a:off x="5858614" y="2362535"/>
             <a:ext cx="1209675" cy="798449"/>
           </a:xfrm>
@@ -3348,7 +3344,7 @@
           </a:prstGeom>
         </p:spPr>
         <p:txBody>
-          <a:bodyPr anchor="t" rtlCol="false" tIns="0" lIns="0" bIns="0" rIns="0">
+          <a:bodyPr lIns="0" tIns="0" rIns="0" bIns="0" rtlCol="0" anchor="t">
             <a:spAutoFit/>
           </a:bodyPr>
           <a:lstStyle/>
@@ -3372,12 +3368,12 @@
       </p:sp>
       <p:sp>
         <p:nvSpPr>
-          <p:cNvPr name="TextBox 9" id="9"/>
-          <p:cNvSpPr txBox="true"/>
+          <p:cNvPr id="9" name="TextBox 9"/>
+          <p:cNvSpPr txBox="1"/>
           <p:nvPr/>
         </p:nvSpPr>
         <p:spPr>
-          <a:xfrm rot="0">
+          <a:xfrm>
             <a:off x="5904737" y="3313119"/>
             <a:ext cx="1116121" cy="489325"/>
           </a:xfrm>
@@ -3386,7 +3382,7 @@
           </a:prstGeom>
         </p:spPr>
         <p:txBody>
-          <a:bodyPr anchor="t" rtlCol="false" tIns="0" lIns="0" bIns="0" rIns="0">
+          <a:bodyPr lIns="0" tIns="0" rIns="0" bIns="0" rtlCol="0" anchor="t">
             <a:spAutoFit/>
           </a:bodyPr>
           <a:lstStyle/>
@@ -3410,12 +3406,12 @@
       </p:sp>
       <p:sp>
         <p:nvSpPr>
-          <p:cNvPr name="TextBox 10" id="10"/>
-          <p:cNvSpPr txBox="true"/>
+          <p:cNvPr id="10" name="TextBox 10"/>
+          <p:cNvSpPr txBox="1"/>
           <p:nvPr/>
         </p:nvSpPr>
         <p:spPr>
-          <a:xfrm rot="0">
+          <a:xfrm>
             <a:off x="7666442" y="2362319"/>
             <a:ext cx="1209675" cy="798449"/>
           </a:xfrm>
@@ -3424,7 +3420,7 @@
           </a:prstGeom>
         </p:spPr>
         <p:txBody>
-          <a:bodyPr anchor="t" rtlCol="false" tIns="0" lIns="0" bIns="0" rIns="0">
+          <a:bodyPr lIns="0" tIns="0" rIns="0" bIns="0" rtlCol="0" anchor="t">
             <a:spAutoFit/>
           </a:bodyPr>
           <a:lstStyle/>
@@ -3448,12 +3444,12 @@
       </p:sp>
       <p:sp>
         <p:nvSpPr>
-          <p:cNvPr name="TextBox 11" id="11"/>
-          <p:cNvSpPr txBox="true"/>
+          <p:cNvPr id="11" name="TextBox 11"/>
+          <p:cNvSpPr txBox="1"/>
           <p:nvPr/>
         </p:nvSpPr>
         <p:spPr>
-          <a:xfrm rot="0">
+          <a:xfrm>
             <a:off x="7712565" y="3312903"/>
             <a:ext cx="1116121" cy="489325"/>
           </a:xfrm>
@@ -3462,7 +3458,7 @@
           </a:prstGeom>
         </p:spPr>
         <p:txBody>
-          <a:bodyPr anchor="t" rtlCol="false" tIns="0" lIns="0" bIns="0" rIns="0">
+          <a:bodyPr lIns="0" tIns="0" rIns="0" bIns="0" rtlCol="0" anchor="t">
             <a:spAutoFit/>
           </a:bodyPr>
           <a:lstStyle/>
@@ -3486,12 +3482,12 @@
       </p:sp>
       <p:sp>
         <p:nvSpPr>
-          <p:cNvPr name="TextBox 12" id="12"/>
-          <p:cNvSpPr txBox="true"/>
+          <p:cNvPr id="12" name="TextBox 12"/>
+          <p:cNvSpPr txBox="1"/>
           <p:nvPr/>
         </p:nvSpPr>
         <p:spPr>
-          <a:xfrm rot="0">
+          <a:xfrm>
             <a:off x="867123" y="521970"/>
             <a:ext cx="5612989" cy="845337"/>
           </a:xfrm>
@@ -3500,7 +3496,7 @@
           </a:prstGeom>
         </p:spPr>
         <p:txBody>
-          <a:bodyPr anchor="t" rtlCol="false" tIns="0" lIns="0" bIns="0" rIns="0">
+          <a:bodyPr lIns="0" tIns="0" rIns="0" bIns="0" rtlCol="0" anchor="t">
             <a:spAutoFit/>
           </a:bodyPr>
           <a:lstStyle/>
@@ -3524,9 +3520,9 @@
       </p:sp>
       <p:pic>
         <p:nvPicPr>
-          <p:cNvPr name="Picture 13" id="13"/>
+          <p:cNvPr id="13" name="Picture 13"/>
           <p:cNvPicPr>
-            <a:picLocks noChangeAspect="true"/>
+            <a:picLocks noChangeAspect="1"/>
           </p:cNvPicPr>
           <p:nvPr/>
         </p:nvPicPr>
@@ -3537,17 +3533,17 @@
                 <a14:useLocalDpi xmlns:a14="http://schemas.microsoft.com/office/drawing/2010/main" val="0"/>
               </a:ext>
               <a:ext uri="{96DAC541-7B7A-43D3-8B79-37D633B846F1}">
-                <asvg:svgBlip xmlns:asvg="http://schemas.microsoft.com/office/drawing/2016/SVG/main" r:embed="rId2"/>
+                <asvg:svgBlip xmlns:asvg="http://schemas.microsoft.com/office/drawing/2016/SVG/main" xmlns="" r:embed="rId3"/>
               </a:ext>
             </a:extLst>
           </a:blip>
-          <a:srcRect l="0" t="0" r="0" b="0"/>
+          <a:srcRect/>
           <a:stretch>
             <a:fillRect/>
           </a:stretch>
         </p:blipFill>
         <p:spPr>
-          <a:xfrm flipH="false" flipV="false" rot="0">
+          <a:xfrm>
             <a:off x="864048" y="1587048"/>
             <a:ext cx="7997829" cy="46159"/>
           </a:xfrm>
@@ -3558,12 +3554,12 @@
       </p:pic>
       <p:sp>
         <p:nvSpPr>
-          <p:cNvPr name="TextBox 14" id="14"/>
-          <p:cNvSpPr txBox="true"/>
+          <p:cNvPr id="14" name="TextBox 14"/>
+          <p:cNvSpPr txBox="1"/>
           <p:nvPr/>
         </p:nvSpPr>
         <p:spPr>
-          <a:xfrm rot="0">
+          <a:xfrm>
             <a:off x="867123" y="4664941"/>
             <a:ext cx="1145934" cy="784250"/>
           </a:xfrm>
@@ -3572,7 +3568,7 @@
           </a:prstGeom>
         </p:spPr>
         <p:txBody>
-          <a:bodyPr anchor="t" rtlCol="false" tIns="0" lIns="0" bIns="0" rIns="0">
+          <a:bodyPr lIns="0" tIns="0" rIns="0" bIns="0" rtlCol="0" anchor="t">
             <a:spAutoFit/>
           </a:bodyPr>
           <a:lstStyle/>
@@ -3596,12 +3592,12 @@
       </p:sp>
       <p:sp>
         <p:nvSpPr>
-          <p:cNvPr name="TextBox 15" id="15"/>
-          <p:cNvSpPr txBox="true"/>
+          <p:cNvPr id="15" name="TextBox 15"/>
+          <p:cNvSpPr txBox="1"/>
           <p:nvPr/>
         </p:nvSpPr>
         <p:spPr>
-          <a:xfrm rot="0">
+          <a:xfrm>
             <a:off x="867123" y="5610613"/>
             <a:ext cx="1145934" cy="489325"/>
           </a:xfrm>
@@ -3610,7 +3606,7 @@
           </a:prstGeom>
         </p:spPr>
         <p:txBody>
-          <a:bodyPr anchor="t" rtlCol="false" tIns="0" lIns="0" bIns="0" rIns="0">
+          <a:bodyPr lIns="0" tIns="0" rIns="0" bIns="0" rtlCol="0" anchor="t">
             <a:spAutoFit/>
           </a:bodyPr>
           <a:lstStyle/>
@@ -3634,12 +3630,12 @@
       </p:sp>
       <p:sp>
         <p:nvSpPr>
-          <p:cNvPr name="TextBox 16" id="16"/>
-          <p:cNvSpPr txBox="true"/>
+          <p:cNvPr id="16" name="TextBox 16"/>
+          <p:cNvSpPr txBox="1"/>
           <p:nvPr/>
         </p:nvSpPr>
         <p:spPr>
-          <a:xfrm rot="0">
+          <a:xfrm>
             <a:off x="2453775" y="4660029"/>
             <a:ext cx="1209675" cy="797814"/>
           </a:xfrm>
@@ -3648,7 +3644,7 @@
           </a:prstGeom>
         </p:spPr>
         <p:txBody>
-          <a:bodyPr anchor="t" rtlCol="false" tIns="0" lIns="0" bIns="0" rIns="0">
+          <a:bodyPr lIns="0" tIns="0" rIns="0" bIns="0" rtlCol="0" anchor="t">
             <a:spAutoFit/>
           </a:bodyPr>
           <a:lstStyle/>
@@ -3672,12 +3668,12 @@
       </p:sp>
       <p:sp>
         <p:nvSpPr>
-          <p:cNvPr name="TextBox 17" id="17"/>
-          <p:cNvSpPr txBox="true"/>
+          <p:cNvPr id="17" name="TextBox 17"/>
+          <p:cNvSpPr txBox="1"/>
           <p:nvPr/>
         </p:nvSpPr>
         <p:spPr>
-          <a:xfrm rot="0">
+          <a:xfrm>
             <a:off x="2499898" y="5610613"/>
             <a:ext cx="1116121" cy="489325"/>
           </a:xfrm>
@@ -3686,7 +3682,7 @@
           </a:prstGeom>
         </p:spPr>
         <p:txBody>
-          <a:bodyPr anchor="t" rtlCol="false" tIns="0" lIns="0" bIns="0" rIns="0">
+          <a:bodyPr lIns="0" tIns="0" rIns="0" bIns="0" rtlCol="0" anchor="t">
             <a:spAutoFit/>
           </a:bodyPr>
           <a:lstStyle/>
@@ -3710,12 +3706,12 @@
       </p:sp>
       <p:sp>
         <p:nvSpPr>
-          <p:cNvPr name="TextBox 18" id="18"/>
-          <p:cNvSpPr txBox="true"/>
+          <p:cNvPr id="18" name="TextBox 18"/>
+          <p:cNvSpPr txBox="1"/>
           <p:nvPr/>
         </p:nvSpPr>
         <p:spPr>
-          <a:xfrm rot="0">
+          <a:xfrm>
             <a:off x="4215695" y="4660329"/>
             <a:ext cx="1125415" cy="784250"/>
           </a:xfrm>
@@ -3724,7 +3720,7 @@
           </a:prstGeom>
         </p:spPr>
         <p:txBody>
-          <a:bodyPr anchor="t" rtlCol="false" tIns="0" lIns="0" bIns="0" rIns="0">
+          <a:bodyPr lIns="0" tIns="0" rIns="0" bIns="0" rtlCol="0" anchor="t">
             <a:spAutoFit/>
           </a:bodyPr>
           <a:lstStyle/>
@@ -3748,12 +3744,12 @@
       </p:sp>
       <p:sp>
         <p:nvSpPr>
-          <p:cNvPr name="TextBox 19" id="19"/>
-          <p:cNvSpPr txBox="true"/>
+          <p:cNvPr id="19" name="TextBox 19"/>
+          <p:cNvSpPr txBox="1"/>
           <p:nvPr/>
         </p:nvSpPr>
         <p:spPr>
-          <a:xfrm rot="0">
+          <a:xfrm>
             <a:off x="4270827" y="5610397"/>
             <a:ext cx="1145934" cy="1203700"/>
           </a:xfrm>
@@ -3762,7 +3758,7 @@
           </a:prstGeom>
         </p:spPr>
         <p:txBody>
-          <a:bodyPr anchor="t" rtlCol="false" tIns="0" lIns="0" bIns="0" rIns="0">
+          <a:bodyPr lIns="0" tIns="0" rIns="0" bIns="0" rtlCol="0" anchor="t">
             <a:spAutoFit/>
           </a:bodyPr>
           <a:lstStyle/>
@@ -3802,12 +3798,12 @@
       </p:sp>
       <p:sp>
         <p:nvSpPr>
-          <p:cNvPr name="TextBox 20" id="20"/>
-          <p:cNvSpPr txBox="true"/>
+          <p:cNvPr id="20" name="TextBox 20"/>
+          <p:cNvSpPr txBox="1"/>
           <p:nvPr/>
         </p:nvSpPr>
         <p:spPr>
-          <a:xfrm rot="0">
+          <a:xfrm>
             <a:off x="5875928" y="4659813"/>
             <a:ext cx="1209675" cy="797814"/>
           </a:xfrm>
@@ -3816,7 +3812,7 @@
           </a:prstGeom>
         </p:spPr>
         <p:txBody>
-          <a:bodyPr anchor="t" rtlCol="false" tIns="0" lIns="0" bIns="0" rIns="0">
+          <a:bodyPr lIns="0" tIns="0" rIns="0" bIns="0" rtlCol="0" anchor="t">
             <a:spAutoFit/>
           </a:bodyPr>
           <a:lstStyle/>
@@ -3840,21 +3836,21 @@
       </p:sp>
       <p:sp>
         <p:nvSpPr>
-          <p:cNvPr name="TextBox 21" id="21"/>
-          <p:cNvSpPr txBox="true"/>
+          <p:cNvPr id="21" name="TextBox 21"/>
+          <p:cNvSpPr txBox="1"/>
           <p:nvPr/>
         </p:nvSpPr>
         <p:spPr>
-          <a:xfrm rot="0">
-            <a:off x="5922052" y="5610397"/>
-            <a:ext cx="1116121" cy="1441825"/>
+          <a:xfrm>
+            <a:off x="5904737" y="5595815"/>
+            <a:ext cx="1545548" cy="1218282"/>
           </a:xfrm>
           <a:prstGeom prst="rect">
             <a:avLst/>
           </a:prstGeom>
         </p:spPr>
         <p:txBody>
-          <a:bodyPr anchor="t" rtlCol="false" tIns="0" lIns="0" bIns="0" rIns="0">
+          <a:bodyPr wrap="square" lIns="0" tIns="0" rIns="0" bIns="0" rtlCol="0" anchor="t">
             <a:spAutoFit/>
           </a:bodyPr>
           <a:lstStyle/>
@@ -3865,25 +3861,73 @@
               </a:lnSpc>
             </a:pPr>
             <a:r>
-              <a:rPr lang="en-US" sz="1407">
+              <a:rPr lang="en-US" sz="1407" dirty="0">
                 <a:solidFill>
                   <a:srgbClr val="222222"/>
                 </a:solidFill>
                 <a:latin typeface="Arialle"/>
               </a:rPr>
-              <a:t>Experiment on Multiple Models and Ensemble to improve Accuracy</a:t>
-            </a:r>
-          </a:p>
-        </p:txBody>
-      </p:sp>
-      <p:sp>
-        <p:nvSpPr>
-          <p:cNvPr name="TextBox 22" id="22"/>
-          <p:cNvSpPr txBox="true"/>
+              <a:t>Experiment on Multiple </a:t>
+            </a:r>
+            <a:r>
+              <a:rPr lang="en-US" sz="1407" dirty="0" smtClean="0">
+                <a:solidFill>
+                  <a:srgbClr val="222222"/>
+                </a:solidFill>
+                <a:latin typeface="Arialle"/>
+              </a:rPr>
+              <a:t>Models &amp;</a:t>
+            </a:r>
+          </a:p>
+          <a:p>
+            <a:pPr>
+              <a:lnSpc>
+                <a:spcPts val="1886"/>
+              </a:lnSpc>
+            </a:pPr>
+            <a:r>
+              <a:rPr lang="en-US" sz="1407" dirty="0" smtClean="0">
+                <a:solidFill>
+                  <a:srgbClr val="222222"/>
+                </a:solidFill>
+                <a:latin typeface="Arialle"/>
+              </a:rPr>
+              <a:t>Improve Recall by </a:t>
+            </a:r>
+            <a:br>
+              <a:rPr lang="en-US" sz="1407" dirty="0" smtClean="0">
+                <a:solidFill>
+                  <a:srgbClr val="222222"/>
+                </a:solidFill>
+                <a:latin typeface="Arialle"/>
+              </a:rPr>
+            </a:br>
+            <a:r>
+              <a:rPr lang="en-US" sz="1407" dirty="0" smtClean="0">
+                <a:solidFill>
+                  <a:srgbClr val="222222"/>
+                </a:solidFill>
+                <a:latin typeface="Arialle"/>
+              </a:rPr>
+              <a:t>minimizing False Negatives</a:t>
+            </a:r>
+            <a:endParaRPr lang="en-US" sz="1407" dirty="0">
+              <a:solidFill>
+                <a:srgbClr val="222222"/>
+              </a:solidFill>
+              <a:latin typeface="Arialle"/>
+            </a:endParaRPr>
+          </a:p>
+        </p:txBody>
+      </p:sp>
+      <p:sp>
+        <p:nvSpPr>
+          <p:cNvPr id="22" name="TextBox 22"/>
+          <p:cNvSpPr txBox="1"/>
           <p:nvPr/>
         </p:nvSpPr>
         <p:spPr>
-          <a:xfrm rot="0">
+          <a:xfrm>
             <a:off x="7683756" y="4659596"/>
             <a:ext cx="1209675" cy="797814"/>
           </a:xfrm>
@@ -3892,7 +3936,7 @@
           </a:prstGeom>
         </p:spPr>
         <p:txBody>
-          <a:bodyPr anchor="t" rtlCol="false" tIns="0" lIns="0" bIns="0" rIns="0">
+          <a:bodyPr lIns="0" tIns="0" rIns="0" bIns="0" rtlCol="0" anchor="t">
             <a:spAutoFit/>
           </a:bodyPr>
           <a:lstStyle/>
@@ -3916,13 +3960,13 @@
       </p:sp>
       <p:sp>
         <p:nvSpPr>
-          <p:cNvPr name="TextBox 23" id="23"/>
-          <p:cNvSpPr txBox="true"/>
+          <p:cNvPr id="23" name="TextBox 23"/>
+          <p:cNvSpPr txBox="1"/>
           <p:nvPr/>
         </p:nvSpPr>
         <p:spPr>
-          <a:xfrm rot="0">
-            <a:off x="7729880" y="5610181"/>
+          <a:xfrm>
+            <a:off x="7777310" y="5610397"/>
             <a:ext cx="1116121" cy="1203700"/>
           </a:xfrm>
           <a:prstGeom prst="rect">
@@ -3930,7 +3974,7 @@
           </a:prstGeom>
         </p:spPr>
         <p:txBody>
-          <a:bodyPr anchor="t" rtlCol="false" tIns="0" lIns="0" bIns="0" rIns="0">
+          <a:bodyPr lIns="0" tIns="0" rIns="0" bIns="0" rtlCol="0" anchor="t">
             <a:spAutoFit/>
           </a:bodyPr>
           <a:lstStyle/>
@@ -3941,7 +3985,7 @@
               </a:lnSpc>
             </a:pPr>
             <a:r>
-              <a:rPr lang="en-US" sz="1407">
+              <a:rPr lang="en-US" sz="1407" dirty="0">
                 <a:solidFill>
                   <a:srgbClr val="222222"/>
                 </a:solidFill>
@@ -3957,7 +4001,7 @@
               </a:lnSpc>
             </a:pPr>
             <a:r>
-              <a:rPr lang="en-US" sz="1407">
+              <a:rPr lang="en-US" sz="1407" dirty="0">
                 <a:solidFill>
                   <a:srgbClr val="222222"/>
                 </a:solidFill>
